--- a/01-basics/exercises/18-joshuatree.pptx
+++ b/01-basics/exercises/18-joshuatree.pptx
@@ -259,7 +259,7 @@
           <a:p>
             <a:fld id="{29ACDA0D-A392-4E5E-829D-DE49BC7D92D5}" type="datetimeFigureOut">
               <a:rPr kumimoji="1" lang="ja-JP" altLang="en-US" smtClean="0"/>
-              <a:t>2023/12/11</a:t>
+              <a:t>2023/12/22</a:t>
             </a:fld>
             <a:endParaRPr kumimoji="1" lang="ja-JP" altLang="en-US"/>
           </a:p>
@@ -489,7 +489,7 @@
           <a:p>
             <a:fld id="{29ACDA0D-A392-4E5E-829D-DE49BC7D92D5}" type="datetimeFigureOut">
               <a:rPr kumimoji="1" lang="ja-JP" altLang="en-US" smtClean="0"/>
-              <a:t>2023/12/11</a:t>
+              <a:t>2023/12/22</a:t>
             </a:fld>
             <a:endParaRPr kumimoji="1" lang="ja-JP" altLang="en-US"/>
           </a:p>
@@ -602,7 +602,7 @@
           <a:p>
             <a:fld id="{29ACDA0D-A392-4E5E-829D-DE49BC7D92D5}" type="datetimeFigureOut">
               <a:rPr kumimoji="1" lang="ja-JP" altLang="en-US" smtClean="0"/>
-              <a:t>2023/12/11</a:t>
+              <a:t>2023/12/22</a:t>
             </a:fld>
             <a:endParaRPr kumimoji="1" lang="ja-JP" altLang="en-US"/>
           </a:p>
@@ -662,77 +662,6 @@
           </a:p>
         </p:txBody>
       </p:sp>
-      <p:sp>
-        <p:nvSpPr>
-          <p:cNvPr id="5" name="タイトル 3">
-            <a:extLst>
-              <a:ext uri="{FF2B5EF4-FFF2-40B4-BE49-F238E27FC236}">
-                <a16:creationId xmlns:a16="http://schemas.microsoft.com/office/drawing/2014/main" id="{F5447049-EE86-8491-5076-A560486755EB}"/>
-              </a:ext>
-            </a:extLst>
-          </p:cNvPr>
-          <p:cNvSpPr>
-            <a:spLocks noGrp="1"/>
-          </p:cNvSpPr>
-          <p:nvPr>
-            <p:ph type="title"/>
-          </p:nvPr>
-        </p:nvSpPr>
-        <p:spPr>
-          <a:xfrm>
-            <a:off x="838200" y="365125"/>
-            <a:ext cx="10515600" cy="1325563"/>
-          </a:xfrm>
-        </p:spPr>
-        <p:txBody>
-          <a:bodyPr/>
-          <a:lstStyle/>
-          <a:p>
-            <a:r>
-              <a:rPr lang="ja-JP" altLang="en-US" dirty="0"/>
-              <a:t>雨を表す語と意味を繋げよう</a:t>
-            </a:r>
-          </a:p>
-        </p:txBody>
-      </p:sp>
-      <p:sp>
-        <p:nvSpPr>
-          <p:cNvPr id="6" name="コンテンツ プレースホルダー 4">
-            <a:extLst>
-              <a:ext uri="{FF2B5EF4-FFF2-40B4-BE49-F238E27FC236}">
-                <a16:creationId xmlns:a16="http://schemas.microsoft.com/office/drawing/2014/main" id="{31A9D096-36F7-8E9C-2D96-85EB13437B74}"/>
-              </a:ext>
-            </a:extLst>
-          </p:cNvPr>
-          <p:cNvSpPr>
-            <a:spLocks noGrp="1"/>
-          </p:cNvSpPr>
-          <p:nvPr>
-            <p:ph idx="1"/>
-          </p:nvPr>
-        </p:nvSpPr>
-        <p:spPr>
-          <a:xfrm>
-            <a:off x="838200" y="1825625"/>
-            <a:ext cx="10515600" cy="4351338"/>
-          </a:xfrm>
-        </p:spPr>
-        <p:txBody>
-          <a:bodyPr>
-            <a:normAutofit/>
-          </a:bodyPr>
-          <a:lstStyle/>
-          <a:p>
-            <a:pPr marL="0" indent="0">
-              <a:buNone/>
-            </a:pPr>
-            <a:r>
-              <a:rPr lang="ja-JP" altLang="en-US" sz="2400" dirty="0"/>
-              <a:t>左の語を表す意味を右の一覧から見つけよう</a:t>
-            </a:r>
-          </a:p>
-        </p:txBody>
-      </p:sp>
       <p:graphicFrame>
         <p:nvGraphicFramePr>
           <p:cNvPr id="7" name="表 6">
@@ -2298,6 +2227,120 @@
               <a:rPr kumimoji="1" lang="ja-JP" altLang="en-US" dirty="0"/>
               <a:t>：加藤 寛人</a:t>
             </a:r>
+          </a:p>
+        </p:txBody>
+      </p:sp>
+      <p:sp>
+        <p:nvSpPr>
+          <p:cNvPr id="13" name="テキスト ボックス 12">
+            <a:extLst>
+              <a:ext uri="{FF2B5EF4-FFF2-40B4-BE49-F238E27FC236}">
+                <a16:creationId xmlns:a16="http://schemas.microsoft.com/office/drawing/2014/main" id="{B27C6C9E-0D30-2711-B848-F9FC47D6090E}"/>
+              </a:ext>
+            </a:extLst>
+          </p:cNvPr>
+          <p:cNvSpPr txBox="1"/>
+          <p:nvPr userDrawn="1"/>
+        </p:nvSpPr>
+        <p:spPr>
+          <a:xfrm>
+            <a:off x="838200" y="1818703"/>
+            <a:ext cx="6653122" cy="428387"/>
+          </a:xfrm>
+          <a:prstGeom prst="rect">
+            <a:avLst/>
+          </a:prstGeom>
+          <a:noFill/>
+        </p:spPr>
+        <p:txBody>
+          <a:bodyPr wrap="square">
+            <a:spAutoFit/>
+          </a:bodyPr>
+          <a:lstStyle/>
+          <a:p>
+            <a:pPr marL="0" marR="0" lvl="0" indent="0" algn="l" defTabSz="914400" rtl="0" eaLnBrk="1" fontAlgn="auto" latinLnBrk="0" hangingPunct="1">
+              <a:lnSpc>
+                <a:spcPct val="90000"/>
+              </a:lnSpc>
+              <a:spcBef>
+                <a:spcPts val="1000"/>
+              </a:spcBef>
+              <a:spcAft>
+                <a:spcPts val="0"/>
+              </a:spcAft>
+              <a:buClrTx/>
+              <a:buSzTx/>
+              <a:buFont typeface="Arial" panose="020B0604020202020204" pitchFamily="34" charset="0"/>
+              <a:buNone/>
+              <a:tabLst/>
+              <a:defRPr/>
+            </a:pPr>
+            <a:r>
+              <a:rPr kumimoji="1" lang="ja-JP" altLang="en-US" sz="2400" b="0" i="0" u="none" strike="noStrike" kern="1200" cap="none" spc="0" normalizeH="0" baseline="0" noProof="0" dirty="0">
+                <a:ln>
+                  <a:noFill/>
+                </a:ln>
+                <a:solidFill>
+                  <a:prstClr val="black"/>
+                </a:solidFill>
+                <a:effectLst/>
+                <a:uLnTx/>
+                <a:uFillTx/>
+                <a:latin typeface="游ゴシック" panose="020F0502020204030204"/>
+                <a:ea typeface="游ゴシック" panose="020B0400000000000000" pitchFamily="50" charset="-128"/>
+                <a:cs typeface="+mn-cs"/>
+              </a:rPr>
+              <a:t>左の語を表す意味を右の一覧から見つけよう</a:t>
+            </a:r>
+          </a:p>
+        </p:txBody>
+      </p:sp>
+      <p:sp>
+        <p:nvSpPr>
+          <p:cNvPr id="19" name="テキスト ボックス 18">
+            <a:extLst>
+              <a:ext uri="{FF2B5EF4-FFF2-40B4-BE49-F238E27FC236}">
+                <a16:creationId xmlns:a16="http://schemas.microsoft.com/office/drawing/2014/main" id="{6512E519-7D3B-0B1C-CFE8-DF018326BF92}"/>
+              </a:ext>
+            </a:extLst>
+          </p:cNvPr>
+          <p:cNvSpPr txBox="1"/>
+          <p:nvPr userDrawn="1"/>
+        </p:nvSpPr>
+        <p:spPr>
+          <a:xfrm>
+            <a:off x="838200" y="600534"/>
+            <a:ext cx="8179997" cy="769441"/>
+          </a:xfrm>
+          <a:prstGeom prst="rect">
+            <a:avLst/>
+          </a:prstGeom>
+          <a:noFill/>
+        </p:spPr>
+        <p:txBody>
+          <a:bodyPr wrap="square">
+            <a:spAutoFit/>
+          </a:bodyPr>
+          <a:lstStyle/>
+          <a:p>
+            <a:r>
+              <a:rPr kumimoji="1" lang="ja-JP" altLang="en-US" sz="4400" b="0" i="0" u="none" strike="noStrike" kern="1200" cap="none" spc="0" normalizeH="0" baseline="0" noProof="0" dirty="0">
+                <a:ln>
+                  <a:noFill/>
+                </a:ln>
+                <a:solidFill>
+                  <a:prstClr val="black"/>
+                </a:solidFill>
+                <a:effectLst/>
+                <a:uLnTx/>
+                <a:uFillTx/>
+                <a:latin typeface="游ゴシック Light" panose="020F0302020204030204"/>
+                <a:ea typeface="游ゴシック Light" panose="020B0300000000000000" pitchFamily="50" charset="-128"/>
+                <a:cs typeface="+mj-cs"/>
+              </a:rPr>
+              <a:t>雨を表す語と意味を繋げよう</a:t>
+            </a:r>
+            <a:endParaRPr lang="ja-JP" altLang="en-US" dirty="0"/>
           </a:p>
         </p:txBody>
       </p:sp>
@@ -2514,7 +2557,7 @@
           <a:p>
             <a:fld id="{29ACDA0D-A392-4E5E-829D-DE49BC7D92D5}" type="datetimeFigureOut">
               <a:rPr kumimoji="1" lang="ja-JP" altLang="en-US" smtClean="0"/>
-              <a:t>2023/12/11</a:t>
+              <a:t>2023/12/22</a:t>
             </a:fld>
             <a:endParaRPr kumimoji="1" lang="ja-JP" altLang="en-US"/>
           </a:p>

--- a/01-basics/exercises/18-joshuatree.pptx
+++ b/01-basics/exercises/18-joshuatree.pptx
@@ -259,7 +259,7 @@
           <a:p>
             <a:fld id="{29ACDA0D-A392-4E5E-829D-DE49BC7D92D5}" type="datetimeFigureOut">
               <a:rPr kumimoji="1" lang="ja-JP" altLang="en-US" smtClean="0"/>
-              <a:t>2023/12/22</a:t>
+              <a:t>2024/6/5</a:t>
             </a:fld>
             <a:endParaRPr kumimoji="1" lang="ja-JP" altLang="en-US"/>
           </a:p>
@@ -489,7 +489,7 @@
           <a:p>
             <a:fld id="{29ACDA0D-A392-4E5E-829D-DE49BC7D92D5}" type="datetimeFigureOut">
               <a:rPr kumimoji="1" lang="ja-JP" altLang="en-US" smtClean="0"/>
-              <a:t>2023/12/22</a:t>
+              <a:t>2024/6/5</a:t>
             </a:fld>
             <a:endParaRPr kumimoji="1" lang="ja-JP" altLang="en-US"/>
           </a:p>
@@ -602,7 +602,7 @@
           <a:p>
             <a:fld id="{29ACDA0D-A392-4E5E-829D-DE49BC7D92D5}" type="datetimeFigureOut">
               <a:rPr kumimoji="1" lang="ja-JP" altLang="en-US" smtClean="0"/>
-              <a:t>2023/12/22</a:t>
+              <a:t>2024/6/5</a:t>
             </a:fld>
             <a:endParaRPr kumimoji="1" lang="ja-JP" altLang="en-US"/>
           </a:p>
@@ -2557,7 +2557,7 @@
           <a:p>
             <a:fld id="{29ACDA0D-A392-4E5E-829D-DE49BC7D92D5}" type="datetimeFigureOut">
               <a:rPr kumimoji="1" lang="ja-JP" altLang="en-US" smtClean="0"/>
-              <a:t>2023/12/22</a:t>
+              <a:t>2024/6/5</a:t>
             </a:fld>
             <a:endParaRPr kumimoji="1" lang="ja-JP" altLang="en-US"/>
           </a:p>
@@ -2690,6 +2690,53 @@
                 </a:solidFill>
               </a:rPr>
               <a:t>ジョシュアツリーの原則：ドリル</a:t>
+            </a:r>
+          </a:p>
+        </p:txBody>
+      </p:sp>
+      <p:sp>
+        <p:nvSpPr>
+          <p:cNvPr id="9" name="テキスト ボックス 8">
+            <a:extLst>
+              <a:ext uri="{FF2B5EF4-FFF2-40B4-BE49-F238E27FC236}">
+                <a16:creationId xmlns:a16="http://schemas.microsoft.com/office/drawing/2014/main" id="{0B1576ED-8358-D9C5-9215-7E54F206259B}"/>
+              </a:ext>
+            </a:extLst>
+          </p:cNvPr>
+          <p:cNvSpPr txBox="1"/>
+          <p:nvPr userDrawn="1">
+            <p:extLst>
+              <p:ext uri="{1162E1C5-73C7-4A58-AE30-91384D911F3F}">
+                <p184:classification xmlns:p184="http://schemas.microsoft.com/office/powerpoint/2018/4/main" val="ftr"/>
+              </p:ext>
+            </p:extLst>
+          </p:nvPr>
+        </p:nvSpPr>
+        <p:spPr>
+          <a:xfrm>
+            <a:off x="63500" y="6642100"/>
+            <a:ext cx="433388" cy="152400"/>
+          </a:xfrm>
+          <a:prstGeom prst="rect">
+            <a:avLst/>
+          </a:prstGeom>
+        </p:spPr>
+        <p:txBody>
+          <a:bodyPr horzOverflow="overflow" lIns="0" tIns="0" rIns="0" bIns="0">
+            <a:spAutoFit/>
+          </a:bodyPr>
+          <a:lstStyle/>
+          <a:p>
+            <a:pPr algn="l"/>
+            <a:r>
+              <a:rPr lang="ja-JP" altLang="en-US" sz="1000">
+                <a:solidFill>
+                  <a:srgbClr val="000000"/>
+                </a:solidFill>
+                <a:latin typeface="Calibri" panose="020F0502020204030204" pitchFamily="34" charset="0"/>
+                <a:cs typeface="Calibri" panose="020F0502020204030204" pitchFamily="34" charset="0"/>
+              </a:rPr>
+              <a:t>Internal</a:t>
             </a:r>
           </a:p>
         </p:txBody>
